--- a/researches/中期汇报.pptx
+++ b/researches/中期汇报.pptx
@@ -232,7 +232,7 @@
           <a:p>
             <a:fld id="{47749E12-936C-4168-A750-6B81F73359E3}" type="datetimeFigureOut">
               <a:rPr lang="zh-CN" altLang="en-US" smtClean="0"/>
-              <a:t>2023/5/5</a:t>
+              <a:t>2023/5/6</a:t>
             </a:fld>
             <a:endParaRPr lang="zh-CN" altLang="en-US"/>
           </a:p>
@@ -718,7 +718,7 @@
           <a:p>
             <a:fld id="{C6E5CE6B-FF6A-471E-9C4A-73362186D6C7}" type="datetimeFigureOut">
               <a:rPr lang="zh-CN" altLang="en-US" smtClean="0"/>
-              <a:t>2023/5/5</a:t>
+              <a:t>2023/5/6</a:t>
             </a:fld>
             <a:endParaRPr lang="zh-CN" altLang="en-US"/>
           </a:p>
@@ -11756,11 +11756,11 @@
           <a:p>
             <a:pPr algn="ctr"/>
             <a:r>
-              <a:rPr lang="en-US" altLang="zh-CN" sz="2400" dirty="0" err="1">
+              <a:rPr lang="en-US" altLang="zh-CN" sz="2400" dirty="0">
                 <a:latin typeface="思源黑体 CN Medium" panose="020B0600000000000000" pitchFamily="34" charset="-122"/>
                 <a:ea typeface="思源黑体 CN Medium" panose="020B0600000000000000" pitchFamily="34" charset="-122"/>
               </a:rPr>
-              <a:t>amd</a:t>
+              <a:t>arm</a:t>
             </a:r>
             <a:endParaRPr lang="zh-CN" altLang="en-US" sz="2400" dirty="0">
               <a:latin typeface="思源黑体 CN Medium" panose="020B0600000000000000" pitchFamily="34" charset="-122"/>
